--- a/ppt 16-9/1034.亚伯拉罕的故.pptx
+++ b/ppt 16-9/1034.亚伯拉罕的故.pptx
@@ -129,7 +129,7 @@
           <p:cNvPr id="2" name="标题 1">
             <a:extLst>
               <a:ext uri="{FF2B5EF4-FFF2-40B4-BE49-F238E27FC236}">
-                <a16:creationId xmlns:a16="http://schemas.microsoft.com/office/drawing/2014/main" id="{3536F184-72B8-844E-1656-3E2F13026A60}"/>
+                <a16:creationId xmlns:a16="http://schemas.microsoft.com/office/drawing/2014/main" id="{A33A0F2C-0383-5E90-229F-9DD54A2B3076}"/>
               </a:ext>
             </a:extLst>
           </p:cNvPr>
@@ -166,7 +166,7 @@
           <p:cNvPr id="3" name="副标题 2">
             <a:extLst>
               <a:ext uri="{FF2B5EF4-FFF2-40B4-BE49-F238E27FC236}">
-                <a16:creationId xmlns:a16="http://schemas.microsoft.com/office/drawing/2014/main" id="{26BA5492-8003-672A-F246-A3C962023A38}"/>
+                <a16:creationId xmlns:a16="http://schemas.microsoft.com/office/drawing/2014/main" id="{3444B4F5-142D-902F-F306-F37A6C7E7906}"/>
               </a:ext>
             </a:extLst>
           </p:cNvPr>
@@ -236,7 +236,7 @@
           <p:cNvPr id="4" name="日期占位符 3">
             <a:extLst>
               <a:ext uri="{FF2B5EF4-FFF2-40B4-BE49-F238E27FC236}">
-                <a16:creationId xmlns:a16="http://schemas.microsoft.com/office/drawing/2014/main" id="{65C60AB3-6782-7144-8957-5EE34E0BBBE3}"/>
+                <a16:creationId xmlns:a16="http://schemas.microsoft.com/office/drawing/2014/main" id="{D3E41B9A-EBEC-1F15-DE4E-713FB2284A46}"/>
               </a:ext>
             </a:extLst>
           </p:cNvPr>
@@ -252,7 +252,7 @@
           <a:bodyPr/>
           <a:lstStyle/>
           <a:p>
-            <a:fld id="{312D571D-EB0D-47BE-9D9F-E5E701AACA06}" type="datetimeFigureOut">
+            <a:fld id="{3620BC53-4CFC-4C7A-B018-0A5BD4F40556}" type="datetimeFigureOut">
               <a:rPr lang="zh-CN" altLang="en-US" smtClean="0"/>
               <a:t>2024/3/10</a:t>
             </a:fld>
@@ -265,7 +265,7 @@
           <p:cNvPr id="5" name="页脚占位符 4">
             <a:extLst>
               <a:ext uri="{FF2B5EF4-FFF2-40B4-BE49-F238E27FC236}">
-                <a16:creationId xmlns:a16="http://schemas.microsoft.com/office/drawing/2014/main" id="{B630247E-8C1E-33C2-2D6A-91C7F1A2635D}"/>
+                <a16:creationId xmlns:a16="http://schemas.microsoft.com/office/drawing/2014/main" id="{2E7E190C-88DD-7628-B1D1-EB148582E590}"/>
               </a:ext>
             </a:extLst>
           </p:cNvPr>
@@ -290,7 +290,7 @@
           <p:cNvPr id="6" name="灯片编号占位符 5">
             <a:extLst>
               <a:ext uri="{FF2B5EF4-FFF2-40B4-BE49-F238E27FC236}">
-                <a16:creationId xmlns:a16="http://schemas.microsoft.com/office/drawing/2014/main" id="{92AB6DB4-A712-C401-E37C-A6A0C794337B}"/>
+                <a16:creationId xmlns:a16="http://schemas.microsoft.com/office/drawing/2014/main" id="{093233A2-DBE8-C5A2-41E5-C48763699E2D}"/>
               </a:ext>
             </a:extLst>
           </p:cNvPr>
@@ -306,7 +306,7 @@
           <a:bodyPr/>
           <a:lstStyle/>
           <a:p>
-            <a:fld id="{D18CEB04-2665-472A-90CD-03C2910DC42A}" type="slidenum">
+            <a:fld id="{FBF969D0-942F-483C-BA79-B4C178E51BCF}" type="slidenum">
               <a:rPr lang="zh-CN" altLang="en-US" smtClean="0"/>
               <a:t>‹#›</a:t>
             </a:fld>
@@ -317,7 +317,7 @@
     </p:spTree>
     <p:extLst>
       <p:ext uri="{BB962C8B-B14F-4D97-AF65-F5344CB8AC3E}">
-        <p14:creationId xmlns:p14="http://schemas.microsoft.com/office/powerpoint/2010/main" val="1541706950"/>
+        <p14:creationId xmlns:p14="http://schemas.microsoft.com/office/powerpoint/2010/main" val="2761226850"/>
       </p:ext>
     </p:extLst>
   </p:cSld>
@@ -349,7 +349,7 @@
           <p:cNvPr id="2" name="标题 1">
             <a:extLst>
               <a:ext uri="{FF2B5EF4-FFF2-40B4-BE49-F238E27FC236}">
-                <a16:creationId xmlns:a16="http://schemas.microsoft.com/office/drawing/2014/main" id="{2BE91ED4-8E67-59CB-ED22-8F42157399F6}"/>
+                <a16:creationId xmlns:a16="http://schemas.microsoft.com/office/drawing/2014/main" id="{83EBCEDA-F1DC-7603-DD8C-AECD6DE210D7}"/>
               </a:ext>
             </a:extLst>
           </p:cNvPr>
@@ -377,7 +377,7 @@
           <p:cNvPr id="3" name="竖排文字占位符 2">
             <a:extLst>
               <a:ext uri="{FF2B5EF4-FFF2-40B4-BE49-F238E27FC236}">
-                <a16:creationId xmlns:a16="http://schemas.microsoft.com/office/drawing/2014/main" id="{51F83E13-EDE1-B6B5-895F-14C8FA6AAA0F}"/>
+                <a16:creationId xmlns:a16="http://schemas.microsoft.com/office/drawing/2014/main" id="{CE274FD2-E1E6-8F00-C75F-AA1C3941E79F}"/>
               </a:ext>
             </a:extLst>
           </p:cNvPr>
@@ -434,7 +434,7 @@
           <p:cNvPr id="4" name="日期占位符 3">
             <a:extLst>
               <a:ext uri="{FF2B5EF4-FFF2-40B4-BE49-F238E27FC236}">
-                <a16:creationId xmlns:a16="http://schemas.microsoft.com/office/drawing/2014/main" id="{9DA5615F-BDBC-B826-CDBF-F704671913AC}"/>
+                <a16:creationId xmlns:a16="http://schemas.microsoft.com/office/drawing/2014/main" id="{2EA183DF-A30E-DD3D-BCB0-3688E9E49835}"/>
               </a:ext>
             </a:extLst>
           </p:cNvPr>
@@ -450,7 +450,7 @@
           <a:bodyPr/>
           <a:lstStyle/>
           <a:p>
-            <a:fld id="{312D571D-EB0D-47BE-9D9F-E5E701AACA06}" type="datetimeFigureOut">
+            <a:fld id="{3620BC53-4CFC-4C7A-B018-0A5BD4F40556}" type="datetimeFigureOut">
               <a:rPr lang="zh-CN" altLang="en-US" smtClean="0"/>
               <a:t>2024/3/10</a:t>
             </a:fld>
@@ -463,7 +463,7 @@
           <p:cNvPr id="5" name="页脚占位符 4">
             <a:extLst>
               <a:ext uri="{FF2B5EF4-FFF2-40B4-BE49-F238E27FC236}">
-                <a16:creationId xmlns:a16="http://schemas.microsoft.com/office/drawing/2014/main" id="{D127D330-965A-607B-9010-25890CBEFB38}"/>
+                <a16:creationId xmlns:a16="http://schemas.microsoft.com/office/drawing/2014/main" id="{8622615C-A485-961C-352A-E3AA00D13AEB}"/>
               </a:ext>
             </a:extLst>
           </p:cNvPr>
@@ -488,7 +488,7 @@
           <p:cNvPr id="6" name="灯片编号占位符 5">
             <a:extLst>
               <a:ext uri="{FF2B5EF4-FFF2-40B4-BE49-F238E27FC236}">
-                <a16:creationId xmlns:a16="http://schemas.microsoft.com/office/drawing/2014/main" id="{725C565A-CDAF-ECF3-A744-CADDCF63C5BB}"/>
+                <a16:creationId xmlns:a16="http://schemas.microsoft.com/office/drawing/2014/main" id="{758A9165-DB9D-A034-C9F0-D9945E3D8B09}"/>
               </a:ext>
             </a:extLst>
           </p:cNvPr>
@@ -504,7 +504,7 @@
           <a:bodyPr/>
           <a:lstStyle/>
           <a:p>
-            <a:fld id="{D18CEB04-2665-472A-90CD-03C2910DC42A}" type="slidenum">
+            <a:fld id="{FBF969D0-942F-483C-BA79-B4C178E51BCF}" type="slidenum">
               <a:rPr lang="zh-CN" altLang="en-US" smtClean="0"/>
               <a:t>‹#›</a:t>
             </a:fld>
@@ -515,7 +515,7 @@
     </p:spTree>
     <p:extLst>
       <p:ext uri="{BB962C8B-B14F-4D97-AF65-F5344CB8AC3E}">
-        <p14:creationId xmlns:p14="http://schemas.microsoft.com/office/powerpoint/2010/main" val="1614158338"/>
+        <p14:creationId xmlns:p14="http://schemas.microsoft.com/office/powerpoint/2010/main" val="2658565679"/>
       </p:ext>
     </p:extLst>
   </p:cSld>
@@ -547,7 +547,7 @@
           <p:cNvPr id="2" name="竖排标题 1">
             <a:extLst>
               <a:ext uri="{FF2B5EF4-FFF2-40B4-BE49-F238E27FC236}">
-                <a16:creationId xmlns:a16="http://schemas.microsoft.com/office/drawing/2014/main" id="{7603E6C6-FA13-A710-7B1C-D8C4ADA8F25B}"/>
+                <a16:creationId xmlns:a16="http://schemas.microsoft.com/office/drawing/2014/main" id="{83339AEE-6F8C-496A-2F1A-3FA82E998D14}"/>
               </a:ext>
             </a:extLst>
           </p:cNvPr>
@@ -580,7 +580,7 @@
           <p:cNvPr id="3" name="竖排文字占位符 2">
             <a:extLst>
               <a:ext uri="{FF2B5EF4-FFF2-40B4-BE49-F238E27FC236}">
-                <a16:creationId xmlns:a16="http://schemas.microsoft.com/office/drawing/2014/main" id="{6ABA30DB-DBE0-50AA-81DE-FFBF2BC3DB28}"/>
+                <a16:creationId xmlns:a16="http://schemas.microsoft.com/office/drawing/2014/main" id="{533126AC-EFE3-9705-0E8A-6893AE1F5201}"/>
               </a:ext>
             </a:extLst>
           </p:cNvPr>
@@ -642,7 +642,7 @@
           <p:cNvPr id="4" name="日期占位符 3">
             <a:extLst>
               <a:ext uri="{FF2B5EF4-FFF2-40B4-BE49-F238E27FC236}">
-                <a16:creationId xmlns:a16="http://schemas.microsoft.com/office/drawing/2014/main" id="{971FAC9A-DA5A-F2EB-656E-2AFF66E5A873}"/>
+                <a16:creationId xmlns:a16="http://schemas.microsoft.com/office/drawing/2014/main" id="{FB26C6B6-D084-F7D4-AFF7-A0BA9DD8F153}"/>
               </a:ext>
             </a:extLst>
           </p:cNvPr>
@@ -658,7 +658,7 @@
           <a:bodyPr/>
           <a:lstStyle/>
           <a:p>
-            <a:fld id="{312D571D-EB0D-47BE-9D9F-E5E701AACA06}" type="datetimeFigureOut">
+            <a:fld id="{3620BC53-4CFC-4C7A-B018-0A5BD4F40556}" type="datetimeFigureOut">
               <a:rPr lang="zh-CN" altLang="en-US" smtClean="0"/>
               <a:t>2024/3/10</a:t>
             </a:fld>
@@ -671,7 +671,7 @@
           <p:cNvPr id="5" name="页脚占位符 4">
             <a:extLst>
               <a:ext uri="{FF2B5EF4-FFF2-40B4-BE49-F238E27FC236}">
-                <a16:creationId xmlns:a16="http://schemas.microsoft.com/office/drawing/2014/main" id="{C315A2BA-A828-16AF-11DC-F4D6B5FC5DB9}"/>
+                <a16:creationId xmlns:a16="http://schemas.microsoft.com/office/drawing/2014/main" id="{EBF5E5D1-E627-729C-F895-5F9B96177793}"/>
               </a:ext>
             </a:extLst>
           </p:cNvPr>
@@ -696,7 +696,7 @@
           <p:cNvPr id="6" name="灯片编号占位符 5">
             <a:extLst>
               <a:ext uri="{FF2B5EF4-FFF2-40B4-BE49-F238E27FC236}">
-                <a16:creationId xmlns:a16="http://schemas.microsoft.com/office/drawing/2014/main" id="{F1359B61-618F-7850-40CC-675E9467871F}"/>
+                <a16:creationId xmlns:a16="http://schemas.microsoft.com/office/drawing/2014/main" id="{2962D45A-C85F-3711-5DB3-6EED03CEB840}"/>
               </a:ext>
             </a:extLst>
           </p:cNvPr>
@@ -712,7 +712,7 @@
           <a:bodyPr/>
           <a:lstStyle/>
           <a:p>
-            <a:fld id="{D18CEB04-2665-472A-90CD-03C2910DC42A}" type="slidenum">
+            <a:fld id="{FBF969D0-942F-483C-BA79-B4C178E51BCF}" type="slidenum">
               <a:rPr lang="zh-CN" altLang="en-US" smtClean="0"/>
               <a:t>‹#›</a:t>
             </a:fld>
@@ -723,7 +723,7 @@
     </p:spTree>
     <p:extLst>
       <p:ext uri="{BB962C8B-B14F-4D97-AF65-F5344CB8AC3E}">
-        <p14:creationId xmlns:p14="http://schemas.microsoft.com/office/powerpoint/2010/main" val="1519112111"/>
+        <p14:creationId xmlns:p14="http://schemas.microsoft.com/office/powerpoint/2010/main" val="1066941789"/>
       </p:ext>
     </p:extLst>
   </p:cSld>
@@ -755,7 +755,7 @@
           <p:cNvPr id="2" name="标题 1">
             <a:extLst>
               <a:ext uri="{FF2B5EF4-FFF2-40B4-BE49-F238E27FC236}">
-                <a16:creationId xmlns:a16="http://schemas.microsoft.com/office/drawing/2014/main" id="{E536E3BD-B09F-3AE4-D4B8-1FF14A4F70FA}"/>
+                <a16:creationId xmlns:a16="http://schemas.microsoft.com/office/drawing/2014/main" id="{4D1636E9-42E4-3FAE-2B98-38FA83BEA8A1}"/>
               </a:ext>
             </a:extLst>
           </p:cNvPr>
@@ -783,7 +783,7 @@
           <p:cNvPr id="3" name="内容占位符 2">
             <a:extLst>
               <a:ext uri="{FF2B5EF4-FFF2-40B4-BE49-F238E27FC236}">
-                <a16:creationId xmlns:a16="http://schemas.microsoft.com/office/drawing/2014/main" id="{DC175248-37B5-89CE-174B-F08CDD622A10}"/>
+                <a16:creationId xmlns:a16="http://schemas.microsoft.com/office/drawing/2014/main" id="{0D4174C8-3219-C100-1A0E-565E499EA6CF}"/>
               </a:ext>
             </a:extLst>
           </p:cNvPr>
@@ -840,7 +840,7 @@
           <p:cNvPr id="4" name="日期占位符 3">
             <a:extLst>
               <a:ext uri="{FF2B5EF4-FFF2-40B4-BE49-F238E27FC236}">
-                <a16:creationId xmlns:a16="http://schemas.microsoft.com/office/drawing/2014/main" id="{BE5AA874-405B-05C6-05C6-84F25C055277}"/>
+                <a16:creationId xmlns:a16="http://schemas.microsoft.com/office/drawing/2014/main" id="{071F96F4-A4F7-5C65-2352-9F37F70361DB}"/>
               </a:ext>
             </a:extLst>
           </p:cNvPr>
@@ -856,7 +856,7 @@
           <a:bodyPr/>
           <a:lstStyle/>
           <a:p>
-            <a:fld id="{312D571D-EB0D-47BE-9D9F-E5E701AACA06}" type="datetimeFigureOut">
+            <a:fld id="{3620BC53-4CFC-4C7A-B018-0A5BD4F40556}" type="datetimeFigureOut">
               <a:rPr lang="zh-CN" altLang="en-US" smtClean="0"/>
               <a:t>2024/3/10</a:t>
             </a:fld>
@@ -869,7 +869,7 @@
           <p:cNvPr id="5" name="页脚占位符 4">
             <a:extLst>
               <a:ext uri="{FF2B5EF4-FFF2-40B4-BE49-F238E27FC236}">
-                <a16:creationId xmlns:a16="http://schemas.microsoft.com/office/drawing/2014/main" id="{366313F6-7C5D-6592-116D-E000A0A09B57}"/>
+                <a16:creationId xmlns:a16="http://schemas.microsoft.com/office/drawing/2014/main" id="{2FE1DA08-BFBD-BE25-C0D4-C0F2666B6429}"/>
               </a:ext>
             </a:extLst>
           </p:cNvPr>
@@ -894,7 +894,7 @@
           <p:cNvPr id="6" name="灯片编号占位符 5">
             <a:extLst>
               <a:ext uri="{FF2B5EF4-FFF2-40B4-BE49-F238E27FC236}">
-                <a16:creationId xmlns:a16="http://schemas.microsoft.com/office/drawing/2014/main" id="{C847592C-32D4-0349-8CC8-76A7354B39FF}"/>
+                <a16:creationId xmlns:a16="http://schemas.microsoft.com/office/drawing/2014/main" id="{1A9A9B22-44D3-FBBC-05DD-CA24038C91A4}"/>
               </a:ext>
             </a:extLst>
           </p:cNvPr>
@@ -910,7 +910,7 @@
           <a:bodyPr/>
           <a:lstStyle/>
           <a:p>
-            <a:fld id="{D18CEB04-2665-472A-90CD-03C2910DC42A}" type="slidenum">
+            <a:fld id="{FBF969D0-942F-483C-BA79-B4C178E51BCF}" type="slidenum">
               <a:rPr lang="zh-CN" altLang="en-US" smtClean="0"/>
               <a:t>‹#›</a:t>
             </a:fld>
@@ -921,7 +921,7 @@
     </p:spTree>
     <p:extLst>
       <p:ext uri="{BB962C8B-B14F-4D97-AF65-F5344CB8AC3E}">
-        <p14:creationId xmlns:p14="http://schemas.microsoft.com/office/powerpoint/2010/main" val="2299931675"/>
+        <p14:creationId xmlns:p14="http://schemas.microsoft.com/office/powerpoint/2010/main" val="256233573"/>
       </p:ext>
     </p:extLst>
   </p:cSld>
@@ -953,7 +953,7 @@
           <p:cNvPr id="2" name="标题 1">
             <a:extLst>
               <a:ext uri="{FF2B5EF4-FFF2-40B4-BE49-F238E27FC236}">
-                <a16:creationId xmlns:a16="http://schemas.microsoft.com/office/drawing/2014/main" id="{D7CFCF1B-AD1D-B7F6-DDC6-EA8F5EA7DF54}"/>
+                <a16:creationId xmlns:a16="http://schemas.microsoft.com/office/drawing/2014/main" id="{132C79FE-7AB6-B420-92AF-AB84221BE72A}"/>
               </a:ext>
             </a:extLst>
           </p:cNvPr>
@@ -990,7 +990,7 @@
           <p:cNvPr id="3" name="文本占位符 2">
             <a:extLst>
               <a:ext uri="{FF2B5EF4-FFF2-40B4-BE49-F238E27FC236}">
-                <a16:creationId xmlns:a16="http://schemas.microsoft.com/office/drawing/2014/main" id="{42B80AA6-6400-FF1C-547E-D22FAAF419BD}"/>
+                <a16:creationId xmlns:a16="http://schemas.microsoft.com/office/drawing/2014/main" id="{F52FB6E4-7F42-07F4-B2F7-42F22536212B}"/>
               </a:ext>
             </a:extLst>
           </p:cNvPr>
@@ -1115,7 +1115,7 @@
           <p:cNvPr id="4" name="日期占位符 3">
             <a:extLst>
               <a:ext uri="{FF2B5EF4-FFF2-40B4-BE49-F238E27FC236}">
-                <a16:creationId xmlns:a16="http://schemas.microsoft.com/office/drawing/2014/main" id="{40EDAE67-40DE-31E7-48CF-33EE654EB4B2}"/>
+                <a16:creationId xmlns:a16="http://schemas.microsoft.com/office/drawing/2014/main" id="{20DBC8FB-3C22-C764-F0A3-E891240A3F11}"/>
               </a:ext>
             </a:extLst>
           </p:cNvPr>
@@ -1131,7 +1131,7 @@
           <a:bodyPr/>
           <a:lstStyle/>
           <a:p>
-            <a:fld id="{312D571D-EB0D-47BE-9D9F-E5E701AACA06}" type="datetimeFigureOut">
+            <a:fld id="{3620BC53-4CFC-4C7A-B018-0A5BD4F40556}" type="datetimeFigureOut">
               <a:rPr lang="zh-CN" altLang="en-US" smtClean="0"/>
               <a:t>2024/3/10</a:t>
             </a:fld>
@@ -1144,7 +1144,7 @@
           <p:cNvPr id="5" name="页脚占位符 4">
             <a:extLst>
               <a:ext uri="{FF2B5EF4-FFF2-40B4-BE49-F238E27FC236}">
-                <a16:creationId xmlns:a16="http://schemas.microsoft.com/office/drawing/2014/main" id="{BF47496B-FB6B-E6AC-36FD-6AE75BBDB3AC}"/>
+                <a16:creationId xmlns:a16="http://schemas.microsoft.com/office/drawing/2014/main" id="{6D0A9F88-C0AC-6A92-1A32-18A7E2E69318}"/>
               </a:ext>
             </a:extLst>
           </p:cNvPr>
@@ -1169,7 +1169,7 @@
           <p:cNvPr id="6" name="灯片编号占位符 5">
             <a:extLst>
               <a:ext uri="{FF2B5EF4-FFF2-40B4-BE49-F238E27FC236}">
-                <a16:creationId xmlns:a16="http://schemas.microsoft.com/office/drawing/2014/main" id="{2AFD5D14-6A9D-FBA4-2134-81E264B31BC0}"/>
+                <a16:creationId xmlns:a16="http://schemas.microsoft.com/office/drawing/2014/main" id="{A912750F-F8E3-D073-382B-A2FEA77EF0FA}"/>
               </a:ext>
             </a:extLst>
           </p:cNvPr>
@@ -1185,7 +1185,7 @@
           <a:bodyPr/>
           <a:lstStyle/>
           <a:p>
-            <a:fld id="{D18CEB04-2665-472A-90CD-03C2910DC42A}" type="slidenum">
+            <a:fld id="{FBF969D0-942F-483C-BA79-B4C178E51BCF}" type="slidenum">
               <a:rPr lang="zh-CN" altLang="en-US" smtClean="0"/>
               <a:t>‹#›</a:t>
             </a:fld>
@@ -1196,7 +1196,7 @@
     </p:spTree>
     <p:extLst>
       <p:ext uri="{BB962C8B-B14F-4D97-AF65-F5344CB8AC3E}">
-        <p14:creationId xmlns:p14="http://schemas.microsoft.com/office/powerpoint/2010/main" val="193256151"/>
+        <p14:creationId xmlns:p14="http://schemas.microsoft.com/office/powerpoint/2010/main" val="619982477"/>
       </p:ext>
     </p:extLst>
   </p:cSld>
@@ -1228,7 +1228,7 @@
           <p:cNvPr id="2" name="标题 1">
             <a:extLst>
               <a:ext uri="{FF2B5EF4-FFF2-40B4-BE49-F238E27FC236}">
-                <a16:creationId xmlns:a16="http://schemas.microsoft.com/office/drawing/2014/main" id="{4D26788D-340B-7CDA-6B1A-4FB51D81654A}"/>
+                <a16:creationId xmlns:a16="http://schemas.microsoft.com/office/drawing/2014/main" id="{4923D32F-1ECB-27B0-C528-28A751234D81}"/>
               </a:ext>
             </a:extLst>
           </p:cNvPr>
@@ -1256,7 +1256,7 @@
           <p:cNvPr id="3" name="内容占位符 2">
             <a:extLst>
               <a:ext uri="{FF2B5EF4-FFF2-40B4-BE49-F238E27FC236}">
-                <a16:creationId xmlns:a16="http://schemas.microsoft.com/office/drawing/2014/main" id="{9702C2BE-DADE-AB76-80F2-1C4A81483194}"/>
+                <a16:creationId xmlns:a16="http://schemas.microsoft.com/office/drawing/2014/main" id="{98BC296A-F978-35A0-815E-DEA0FADF3666}"/>
               </a:ext>
             </a:extLst>
           </p:cNvPr>
@@ -1318,7 +1318,7 @@
           <p:cNvPr id="4" name="内容占位符 3">
             <a:extLst>
               <a:ext uri="{FF2B5EF4-FFF2-40B4-BE49-F238E27FC236}">
-                <a16:creationId xmlns:a16="http://schemas.microsoft.com/office/drawing/2014/main" id="{68CF09F1-EE1D-A2C2-E143-D3E1FAC77B9D}"/>
+                <a16:creationId xmlns:a16="http://schemas.microsoft.com/office/drawing/2014/main" id="{366A63BD-0CCF-7BC1-8558-09351CB7F718}"/>
               </a:ext>
             </a:extLst>
           </p:cNvPr>
@@ -1380,7 +1380,7 @@
           <p:cNvPr id="5" name="日期占位符 4">
             <a:extLst>
               <a:ext uri="{FF2B5EF4-FFF2-40B4-BE49-F238E27FC236}">
-                <a16:creationId xmlns:a16="http://schemas.microsoft.com/office/drawing/2014/main" id="{51B8616F-B10A-AF7F-5CD7-E71129CD1AF8}"/>
+                <a16:creationId xmlns:a16="http://schemas.microsoft.com/office/drawing/2014/main" id="{B53073B5-B0FC-8549-470B-24C26EB53018}"/>
               </a:ext>
             </a:extLst>
           </p:cNvPr>
@@ -1396,7 +1396,7 @@
           <a:bodyPr/>
           <a:lstStyle/>
           <a:p>
-            <a:fld id="{312D571D-EB0D-47BE-9D9F-E5E701AACA06}" type="datetimeFigureOut">
+            <a:fld id="{3620BC53-4CFC-4C7A-B018-0A5BD4F40556}" type="datetimeFigureOut">
               <a:rPr lang="zh-CN" altLang="en-US" smtClean="0"/>
               <a:t>2024/3/10</a:t>
             </a:fld>
@@ -1409,7 +1409,7 @@
           <p:cNvPr id="6" name="页脚占位符 5">
             <a:extLst>
               <a:ext uri="{FF2B5EF4-FFF2-40B4-BE49-F238E27FC236}">
-                <a16:creationId xmlns:a16="http://schemas.microsoft.com/office/drawing/2014/main" id="{E9B26EF1-6FC9-530C-A502-9C2D56360F0C}"/>
+                <a16:creationId xmlns:a16="http://schemas.microsoft.com/office/drawing/2014/main" id="{22B8A507-A021-9C71-D6B3-19078FC0283A}"/>
               </a:ext>
             </a:extLst>
           </p:cNvPr>
@@ -1434,7 +1434,7 @@
           <p:cNvPr id="7" name="灯片编号占位符 6">
             <a:extLst>
               <a:ext uri="{FF2B5EF4-FFF2-40B4-BE49-F238E27FC236}">
-                <a16:creationId xmlns:a16="http://schemas.microsoft.com/office/drawing/2014/main" id="{37805515-EF63-5625-B1BD-48F33868AD93}"/>
+                <a16:creationId xmlns:a16="http://schemas.microsoft.com/office/drawing/2014/main" id="{B13CB1FD-6194-A22B-920F-F025E481449A}"/>
               </a:ext>
             </a:extLst>
           </p:cNvPr>
@@ -1450,7 +1450,7 @@
           <a:bodyPr/>
           <a:lstStyle/>
           <a:p>
-            <a:fld id="{D18CEB04-2665-472A-90CD-03C2910DC42A}" type="slidenum">
+            <a:fld id="{FBF969D0-942F-483C-BA79-B4C178E51BCF}" type="slidenum">
               <a:rPr lang="zh-CN" altLang="en-US" smtClean="0"/>
               <a:t>‹#›</a:t>
             </a:fld>
@@ -1461,7 +1461,7 @@
     </p:spTree>
     <p:extLst>
       <p:ext uri="{BB962C8B-B14F-4D97-AF65-F5344CB8AC3E}">
-        <p14:creationId xmlns:p14="http://schemas.microsoft.com/office/powerpoint/2010/main" val="3752957787"/>
+        <p14:creationId xmlns:p14="http://schemas.microsoft.com/office/powerpoint/2010/main" val="3253499065"/>
       </p:ext>
     </p:extLst>
   </p:cSld>
@@ -1493,7 +1493,7 @@
           <p:cNvPr id="2" name="标题 1">
             <a:extLst>
               <a:ext uri="{FF2B5EF4-FFF2-40B4-BE49-F238E27FC236}">
-                <a16:creationId xmlns:a16="http://schemas.microsoft.com/office/drawing/2014/main" id="{8FBE5BBF-3F87-ACA4-DEEE-1ABF5020977E}"/>
+                <a16:creationId xmlns:a16="http://schemas.microsoft.com/office/drawing/2014/main" id="{0CD67145-EA6B-44E6-860F-57D34CFBD5D5}"/>
               </a:ext>
             </a:extLst>
           </p:cNvPr>
@@ -1526,7 +1526,7 @@
           <p:cNvPr id="3" name="文本占位符 2">
             <a:extLst>
               <a:ext uri="{FF2B5EF4-FFF2-40B4-BE49-F238E27FC236}">
-                <a16:creationId xmlns:a16="http://schemas.microsoft.com/office/drawing/2014/main" id="{F8F1EA0A-D0EB-48A4-CCB1-909720E25C5D}"/>
+                <a16:creationId xmlns:a16="http://schemas.microsoft.com/office/drawing/2014/main" id="{76EC1DC8-07A3-1C53-3B55-5537D0252B43}"/>
               </a:ext>
             </a:extLst>
           </p:cNvPr>
@@ -1597,7 +1597,7 @@
           <p:cNvPr id="4" name="内容占位符 3">
             <a:extLst>
               <a:ext uri="{FF2B5EF4-FFF2-40B4-BE49-F238E27FC236}">
-                <a16:creationId xmlns:a16="http://schemas.microsoft.com/office/drawing/2014/main" id="{6E683756-85BB-CE24-5D97-851E1D77DDDD}"/>
+                <a16:creationId xmlns:a16="http://schemas.microsoft.com/office/drawing/2014/main" id="{DF795436-AC97-8869-0A9F-5818DADB9841}"/>
               </a:ext>
             </a:extLst>
           </p:cNvPr>
@@ -1659,7 +1659,7 @@
           <p:cNvPr id="5" name="文本占位符 4">
             <a:extLst>
               <a:ext uri="{FF2B5EF4-FFF2-40B4-BE49-F238E27FC236}">
-                <a16:creationId xmlns:a16="http://schemas.microsoft.com/office/drawing/2014/main" id="{B1D854A9-34CA-6842-777E-BFD22EFD091F}"/>
+                <a16:creationId xmlns:a16="http://schemas.microsoft.com/office/drawing/2014/main" id="{DF17CFD5-2D1B-ED0E-F2B1-212B35E63CC6}"/>
               </a:ext>
             </a:extLst>
           </p:cNvPr>
@@ -1730,7 +1730,7 @@
           <p:cNvPr id="6" name="内容占位符 5">
             <a:extLst>
               <a:ext uri="{FF2B5EF4-FFF2-40B4-BE49-F238E27FC236}">
-                <a16:creationId xmlns:a16="http://schemas.microsoft.com/office/drawing/2014/main" id="{B7AB7016-FE02-4F5A-6411-E642FB7ADA51}"/>
+                <a16:creationId xmlns:a16="http://schemas.microsoft.com/office/drawing/2014/main" id="{2C515BEE-C391-10CC-C212-D5982E165724}"/>
               </a:ext>
             </a:extLst>
           </p:cNvPr>
@@ -1792,7 +1792,7 @@
           <p:cNvPr id="7" name="日期占位符 6">
             <a:extLst>
               <a:ext uri="{FF2B5EF4-FFF2-40B4-BE49-F238E27FC236}">
-                <a16:creationId xmlns:a16="http://schemas.microsoft.com/office/drawing/2014/main" id="{566C05DE-433F-B49F-C6DD-1C4C831C8B7F}"/>
+                <a16:creationId xmlns:a16="http://schemas.microsoft.com/office/drawing/2014/main" id="{2C292C8E-E5CB-2234-8E47-094C6DFCD2AA}"/>
               </a:ext>
             </a:extLst>
           </p:cNvPr>
@@ -1808,7 +1808,7 @@
           <a:bodyPr/>
           <a:lstStyle/>
           <a:p>
-            <a:fld id="{312D571D-EB0D-47BE-9D9F-E5E701AACA06}" type="datetimeFigureOut">
+            <a:fld id="{3620BC53-4CFC-4C7A-B018-0A5BD4F40556}" type="datetimeFigureOut">
               <a:rPr lang="zh-CN" altLang="en-US" smtClean="0"/>
               <a:t>2024/3/10</a:t>
             </a:fld>
@@ -1821,7 +1821,7 @@
           <p:cNvPr id="8" name="页脚占位符 7">
             <a:extLst>
               <a:ext uri="{FF2B5EF4-FFF2-40B4-BE49-F238E27FC236}">
-                <a16:creationId xmlns:a16="http://schemas.microsoft.com/office/drawing/2014/main" id="{8489A797-3DD7-198B-6ED4-6C51FC12AF86}"/>
+                <a16:creationId xmlns:a16="http://schemas.microsoft.com/office/drawing/2014/main" id="{3A931133-0138-BC4D-411F-08BAE257C362}"/>
               </a:ext>
             </a:extLst>
           </p:cNvPr>
@@ -1846,7 +1846,7 @@
           <p:cNvPr id="9" name="灯片编号占位符 8">
             <a:extLst>
               <a:ext uri="{FF2B5EF4-FFF2-40B4-BE49-F238E27FC236}">
-                <a16:creationId xmlns:a16="http://schemas.microsoft.com/office/drawing/2014/main" id="{FB4F9439-0DCC-2290-6D38-E183EE1BF292}"/>
+                <a16:creationId xmlns:a16="http://schemas.microsoft.com/office/drawing/2014/main" id="{D5CE8F0B-D684-9968-58D6-53003D9BE35B}"/>
               </a:ext>
             </a:extLst>
           </p:cNvPr>
@@ -1862,7 +1862,7 @@
           <a:bodyPr/>
           <a:lstStyle/>
           <a:p>
-            <a:fld id="{D18CEB04-2665-472A-90CD-03C2910DC42A}" type="slidenum">
+            <a:fld id="{FBF969D0-942F-483C-BA79-B4C178E51BCF}" type="slidenum">
               <a:rPr lang="zh-CN" altLang="en-US" smtClean="0"/>
               <a:t>‹#›</a:t>
             </a:fld>
@@ -1873,7 +1873,7 @@
     </p:spTree>
     <p:extLst>
       <p:ext uri="{BB962C8B-B14F-4D97-AF65-F5344CB8AC3E}">
-        <p14:creationId xmlns:p14="http://schemas.microsoft.com/office/powerpoint/2010/main" val="628635194"/>
+        <p14:creationId xmlns:p14="http://schemas.microsoft.com/office/powerpoint/2010/main" val="1806016521"/>
       </p:ext>
     </p:extLst>
   </p:cSld>
@@ -1905,7 +1905,7 @@
           <p:cNvPr id="2" name="标题 1">
             <a:extLst>
               <a:ext uri="{FF2B5EF4-FFF2-40B4-BE49-F238E27FC236}">
-                <a16:creationId xmlns:a16="http://schemas.microsoft.com/office/drawing/2014/main" id="{4778C284-6B2A-F30C-CDAF-B843885CF1E8}"/>
+                <a16:creationId xmlns:a16="http://schemas.microsoft.com/office/drawing/2014/main" id="{81661D87-153B-65DF-9BEB-52BCD3AEC869}"/>
               </a:ext>
             </a:extLst>
           </p:cNvPr>
@@ -1933,7 +1933,7 @@
           <p:cNvPr id="3" name="日期占位符 2">
             <a:extLst>
               <a:ext uri="{FF2B5EF4-FFF2-40B4-BE49-F238E27FC236}">
-                <a16:creationId xmlns:a16="http://schemas.microsoft.com/office/drawing/2014/main" id="{05217A7F-B725-91DE-03BF-33A3590E144E}"/>
+                <a16:creationId xmlns:a16="http://schemas.microsoft.com/office/drawing/2014/main" id="{642ED692-EB84-8EEA-24F7-B30DB44E8710}"/>
               </a:ext>
             </a:extLst>
           </p:cNvPr>
@@ -1949,7 +1949,7 @@
           <a:bodyPr/>
           <a:lstStyle/>
           <a:p>
-            <a:fld id="{312D571D-EB0D-47BE-9D9F-E5E701AACA06}" type="datetimeFigureOut">
+            <a:fld id="{3620BC53-4CFC-4C7A-B018-0A5BD4F40556}" type="datetimeFigureOut">
               <a:rPr lang="zh-CN" altLang="en-US" smtClean="0"/>
               <a:t>2024/3/10</a:t>
             </a:fld>
@@ -1962,7 +1962,7 @@
           <p:cNvPr id="4" name="页脚占位符 3">
             <a:extLst>
               <a:ext uri="{FF2B5EF4-FFF2-40B4-BE49-F238E27FC236}">
-                <a16:creationId xmlns:a16="http://schemas.microsoft.com/office/drawing/2014/main" id="{FB80FFA3-0CDD-6779-966B-B27C0A3BBB61}"/>
+                <a16:creationId xmlns:a16="http://schemas.microsoft.com/office/drawing/2014/main" id="{F1C98C35-3308-6077-6862-79DD9E69389A}"/>
               </a:ext>
             </a:extLst>
           </p:cNvPr>
@@ -1987,7 +1987,7 @@
           <p:cNvPr id="5" name="灯片编号占位符 4">
             <a:extLst>
               <a:ext uri="{FF2B5EF4-FFF2-40B4-BE49-F238E27FC236}">
-                <a16:creationId xmlns:a16="http://schemas.microsoft.com/office/drawing/2014/main" id="{5AD3A4DB-5110-731C-9A3C-9230FD26C66C}"/>
+                <a16:creationId xmlns:a16="http://schemas.microsoft.com/office/drawing/2014/main" id="{911B5074-0399-1186-1E47-D9CFF8B9513E}"/>
               </a:ext>
             </a:extLst>
           </p:cNvPr>
@@ -2003,7 +2003,7 @@
           <a:bodyPr/>
           <a:lstStyle/>
           <a:p>
-            <a:fld id="{D18CEB04-2665-472A-90CD-03C2910DC42A}" type="slidenum">
+            <a:fld id="{FBF969D0-942F-483C-BA79-B4C178E51BCF}" type="slidenum">
               <a:rPr lang="zh-CN" altLang="en-US" smtClean="0"/>
               <a:t>‹#›</a:t>
             </a:fld>
@@ -2014,7 +2014,7 @@
     </p:spTree>
     <p:extLst>
       <p:ext uri="{BB962C8B-B14F-4D97-AF65-F5344CB8AC3E}">
-        <p14:creationId xmlns:p14="http://schemas.microsoft.com/office/powerpoint/2010/main" val="3324794115"/>
+        <p14:creationId xmlns:p14="http://schemas.microsoft.com/office/powerpoint/2010/main" val="2483641552"/>
       </p:ext>
     </p:extLst>
   </p:cSld>
@@ -2046,7 +2046,7 @@
           <p:cNvPr id="2" name="日期占位符 1">
             <a:extLst>
               <a:ext uri="{FF2B5EF4-FFF2-40B4-BE49-F238E27FC236}">
-                <a16:creationId xmlns:a16="http://schemas.microsoft.com/office/drawing/2014/main" id="{DADD05DD-B295-B81C-84A0-46DFA16C0C00}"/>
+                <a16:creationId xmlns:a16="http://schemas.microsoft.com/office/drawing/2014/main" id="{BBDFE076-422E-C419-E5F8-7E85A413AE0A}"/>
               </a:ext>
             </a:extLst>
           </p:cNvPr>
@@ -2062,7 +2062,7 @@
           <a:bodyPr/>
           <a:lstStyle/>
           <a:p>
-            <a:fld id="{312D571D-EB0D-47BE-9D9F-E5E701AACA06}" type="datetimeFigureOut">
+            <a:fld id="{3620BC53-4CFC-4C7A-B018-0A5BD4F40556}" type="datetimeFigureOut">
               <a:rPr lang="zh-CN" altLang="en-US" smtClean="0"/>
               <a:t>2024/3/10</a:t>
             </a:fld>
@@ -2075,7 +2075,7 @@
           <p:cNvPr id="3" name="页脚占位符 2">
             <a:extLst>
               <a:ext uri="{FF2B5EF4-FFF2-40B4-BE49-F238E27FC236}">
-                <a16:creationId xmlns:a16="http://schemas.microsoft.com/office/drawing/2014/main" id="{0244A986-FEF1-4DD1-1843-0B3FC89294BD}"/>
+                <a16:creationId xmlns:a16="http://schemas.microsoft.com/office/drawing/2014/main" id="{B2F1364E-84A8-24C7-92E3-E63F00C47618}"/>
               </a:ext>
             </a:extLst>
           </p:cNvPr>
@@ -2100,7 +2100,7 @@
           <p:cNvPr id="4" name="灯片编号占位符 3">
             <a:extLst>
               <a:ext uri="{FF2B5EF4-FFF2-40B4-BE49-F238E27FC236}">
-                <a16:creationId xmlns:a16="http://schemas.microsoft.com/office/drawing/2014/main" id="{B48D35A4-54CD-3FD0-1CE4-0B2A9F4895DB}"/>
+                <a16:creationId xmlns:a16="http://schemas.microsoft.com/office/drawing/2014/main" id="{8CFD3343-5895-27F3-562D-D0B5113952B6}"/>
               </a:ext>
             </a:extLst>
           </p:cNvPr>
@@ -2116,7 +2116,7 @@
           <a:bodyPr/>
           <a:lstStyle/>
           <a:p>
-            <a:fld id="{D18CEB04-2665-472A-90CD-03C2910DC42A}" type="slidenum">
+            <a:fld id="{FBF969D0-942F-483C-BA79-B4C178E51BCF}" type="slidenum">
               <a:rPr lang="zh-CN" altLang="en-US" smtClean="0"/>
               <a:t>‹#›</a:t>
             </a:fld>
@@ -2127,7 +2127,7 @@
     </p:spTree>
     <p:extLst>
       <p:ext uri="{BB962C8B-B14F-4D97-AF65-F5344CB8AC3E}">
-        <p14:creationId xmlns:p14="http://schemas.microsoft.com/office/powerpoint/2010/main" val="433633785"/>
+        <p14:creationId xmlns:p14="http://schemas.microsoft.com/office/powerpoint/2010/main" val="1487862953"/>
       </p:ext>
     </p:extLst>
   </p:cSld>
@@ -2159,7 +2159,7 @@
           <p:cNvPr id="2" name="标题 1">
             <a:extLst>
               <a:ext uri="{FF2B5EF4-FFF2-40B4-BE49-F238E27FC236}">
-                <a16:creationId xmlns:a16="http://schemas.microsoft.com/office/drawing/2014/main" id="{FBDE1203-4984-C0BA-E0AD-B2EA5577CFD4}"/>
+                <a16:creationId xmlns:a16="http://schemas.microsoft.com/office/drawing/2014/main" id="{5FB62712-6BF2-CB43-AAD7-E97CAA9CADCF}"/>
               </a:ext>
             </a:extLst>
           </p:cNvPr>
@@ -2196,7 +2196,7 @@
           <p:cNvPr id="3" name="内容占位符 2">
             <a:extLst>
               <a:ext uri="{FF2B5EF4-FFF2-40B4-BE49-F238E27FC236}">
-                <a16:creationId xmlns:a16="http://schemas.microsoft.com/office/drawing/2014/main" id="{F1BC369C-BEEB-F477-78F0-1A0A66B0295B}"/>
+                <a16:creationId xmlns:a16="http://schemas.microsoft.com/office/drawing/2014/main" id="{24C56951-16C4-0768-A643-E919FF564D46}"/>
               </a:ext>
             </a:extLst>
           </p:cNvPr>
@@ -2286,7 +2286,7 @@
           <p:cNvPr id="4" name="文本占位符 3">
             <a:extLst>
               <a:ext uri="{FF2B5EF4-FFF2-40B4-BE49-F238E27FC236}">
-                <a16:creationId xmlns:a16="http://schemas.microsoft.com/office/drawing/2014/main" id="{02A82EA0-7474-4E56-36FC-8299DB0BF46D}"/>
+                <a16:creationId xmlns:a16="http://schemas.microsoft.com/office/drawing/2014/main" id="{4CB856F9-4792-1FBA-247E-6ED4F909EA8C}"/>
               </a:ext>
             </a:extLst>
           </p:cNvPr>
@@ -2357,7 +2357,7 @@
           <p:cNvPr id="5" name="日期占位符 4">
             <a:extLst>
               <a:ext uri="{FF2B5EF4-FFF2-40B4-BE49-F238E27FC236}">
-                <a16:creationId xmlns:a16="http://schemas.microsoft.com/office/drawing/2014/main" id="{142F2388-012C-B85E-480E-895EC34B9B2D}"/>
+                <a16:creationId xmlns:a16="http://schemas.microsoft.com/office/drawing/2014/main" id="{80883BE7-9F0F-6F94-4353-ACF62CED4ADF}"/>
               </a:ext>
             </a:extLst>
           </p:cNvPr>
@@ -2373,7 +2373,7 @@
           <a:bodyPr/>
           <a:lstStyle/>
           <a:p>
-            <a:fld id="{312D571D-EB0D-47BE-9D9F-E5E701AACA06}" type="datetimeFigureOut">
+            <a:fld id="{3620BC53-4CFC-4C7A-B018-0A5BD4F40556}" type="datetimeFigureOut">
               <a:rPr lang="zh-CN" altLang="en-US" smtClean="0"/>
               <a:t>2024/3/10</a:t>
             </a:fld>
@@ -2386,7 +2386,7 @@
           <p:cNvPr id="6" name="页脚占位符 5">
             <a:extLst>
               <a:ext uri="{FF2B5EF4-FFF2-40B4-BE49-F238E27FC236}">
-                <a16:creationId xmlns:a16="http://schemas.microsoft.com/office/drawing/2014/main" id="{64DEF155-1994-269C-AD05-A09641966BAE}"/>
+                <a16:creationId xmlns:a16="http://schemas.microsoft.com/office/drawing/2014/main" id="{A69DF75A-8B37-40A6-7067-2728B303F7CE}"/>
               </a:ext>
             </a:extLst>
           </p:cNvPr>
@@ -2411,7 +2411,7 @@
           <p:cNvPr id="7" name="灯片编号占位符 6">
             <a:extLst>
               <a:ext uri="{FF2B5EF4-FFF2-40B4-BE49-F238E27FC236}">
-                <a16:creationId xmlns:a16="http://schemas.microsoft.com/office/drawing/2014/main" id="{5441DE7B-54E5-652A-6E6E-3B2072E61466}"/>
+                <a16:creationId xmlns:a16="http://schemas.microsoft.com/office/drawing/2014/main" id="{A9ECF8F9-A0A6-E62D-0D3D-483679C66324}"/>
               </a:ext>
             </a:extLst>
           </p:cNvPr>
@@ -2427,7 +2427,7 @@
           <a:bodyPr/>
           <a:lstStyle/>
           <a:p>
-            <a:fld id="{D18CEB04-2665-472A-90CD-03C2910DC42A}" type="slidenum">
+            <a:fld id="{FBF969D0-942F-483C-BA79-B4C178E51BCF}" type="slidenum">
               <a:rPr lang="zh-CN" altLang="en-US" smtClean="0"/>
               <a:t>‹#›</a:t>
             </a:fld>
@@ -2438,7 +2438,7 @@
     </p:spTree>
     <p:extLst>
       <p:ext uri="{BB962C8B-B14F-4D97-AF65-F5344CB8AC3E}">
-        <p14:creationId xmlns:p14="http://schemas.microsoft.com/office/powerpoint/2010/main" val="2211697689"/>
+        <p14:creationId xmlns:p14="http://schemas.microsoft.com/office/powerpoint/2010/main" val="506339438"/>
       </p:ext>
     </p:extLst>
   </p:cSld>
@@ -2470,7 +2470,7 @@
           <p:cNvPr id="2" name="标题 1">
             <a:extLst>
               <a:ext uri="{FF2B5EF4-FFF2-40B4-BE49-F238E27FC236}">
-                <a16:creationId xmlns:a16="http://schemas.microsoft.com/office/drawing/2014/main" id="{069FDD05-826A-589C-0358-8DFD21AEFEF6}"/>
+                <a16:creationId xmlns:a16="http://schemas.microsoft.com/office/drawing/2014/main" id="{C0A64E56-BF8F-0742-D306-2BE86AEB62AD}"/>
               </a:ext>
             </a:extLst>
           </p:cNvPr>
@@ -2507,7 +2507,7 @@
           <p:cNvPr id="3" name="图片占位符 2">
             <a:extLst>
               <a:ext uri="{FF2B5EF4-FFF2-40B4-BE49-F238E27FC236}">
-                <a16:creationId xmlns:a16="http://schemas.microsoft.com/office/drawing/2014/main" id="{BD2903C4-4501-E58E-463E-CFDACE2A370D}"/>
+                <a16:creationId xmlns:a16="http://schemas.microsoft.com/office/drawing/2014/main" id="{07E470E0-15D6-4C9F-CF17-67DF80E0BF4D}"/>
               </a:ext>
             </a:extLst>
           </p:cNvPr>
@@ -2574,7 +2574,7 @@
           <p:cNvPr id="4" name="文本占位符 3">
             <a:extLst>
               <a:ext uri="{FF2B5EF4-FFF2-40B4-BE49-F238E27FC236}">
-                <a16:creationId xmlns:a16="http://schemas.microsoft.com/office/drawing/2014/main" id="{24F9B987-8D39-3599-4014-48FFCE6CD63D}"/>
+                <a16:creationId xmlns:a16="http://schemas.microsoft.com/office/drawing/2014/main" id="{6A1DD713-F3D1-5681-0E22-2B9FE2D055B2}"/>
               </a:ext>
             </a:extLst>
           </p:cNvPr>
@@ -2645,7 +2645,7 @@
           <p:cNvPr id="5" name="日期占位符 4">
             <a:extLst>
               <a:ext uri="{FF2B5EF4-FFF2-40B4-BE49-F238E27FC236}">
-                <a16:creationId xmlns:a16="http://schemas.microsoft.com/office/drawing/2014/main" id="{A9E8B63D-D53B-C0F1-B41D-51DF42987983}"/>
+                <a16:creationId xmlns:a16="http://schemas.microsoft.com/office/drawing/2014/main" id="{09A39CF4-D0BD-74CA-582E-4652B91E4F33}"/>
               </a:ext>
             </a:extLst>
           </p:cNvPr>
@@ -2661,7 +2661,7 @@
           <a:bodyPr/>
           <a:lstStyle/>
           <a:p>
-            <a:fld id="{312D571D-EB0D-47BE-9D9F-E5E701AACA06}" type="datetimeFigureOut">
+            <a:fld id="{3620BC53-4CFC-4C7A-B018-0A5BD4F40556}" type="datetimeFigureOut">
               <a:rPr lang="zh-CN" altLang="en-US" smtClean="0"/>
               <a:t>2024/3/10</a:t>
             </a:fld>
@@ -2674,7 +2674,7 @@
           <p:cNvPr id="6" name="页脚占位符 5">
             <a:extLst>
               <a:ext uri="{FF2B5EF4-FFF2-40B4-BE49-F238E27FC236}">
-                <a16:creationId xmlns:a16="http://schemas.microsoft.com/office/drawing/2014/main" id="{4AF94934-88C6-8FF2-92B8-6F3B4E3D9C3C}"/>
+                <a16:creationId xmlns:a16="http://schemas.microsoft.com/office/drawing/2014/main" id="{D3EF377C-1F9D-50D4-6266-1128CC0EC997}"/>
               </a:ext>
             </a:extLst>
           </p:cNvPr>
@@ -2699,7 +2699,7 @@
           <p:cNvPr id="7" name="灯片编号占位符 6">
             <a:extLst>
               <a:ext uri="{FF2B5EF4-FFF2-40B4-BE49-F238E27FC236}">
-                <a16:creationId xmlns:a16="http://schemas.microsoft.com/office/drawing/2014/main" id="{71B7B2AD-1772-3BCF-3795-6BA48E7C9BAD}"/>
+                <a16:creationId xmlns:a16="http://schemas.microsoft.com/office/drawing/2014/main" id="{69652258-81ED-A3DE-3507-2C386FDCE469}"/>
               </a:ext>
             </a:extLst>
           </p:cNvPr>
@@ -2715,7 +2715,7 @@
           <a:bodyPr/>
           <a:lstStyle/>
           <a:p>
-            <a:fld id="{D18CEB04-2665-472A-90CD-03C2910DC42A}" type="slidenum">
+            <a:fld id="{FBF969D0-942F-483C-BA79-B4C178E51BCF}" type="slidenum">
               <a:rPr lang="zh-CN" altLang="en-US" smtClean="0"/>
               <a:t>‹#›</a:t>
             </a:fld>
@@ -2726,7 +2726,7 @@
     </p:spTree>
     <p:extLst>
       <p:ext uri="{BB962C8B-B14F-4D97-AF65-F5344CB8AC3E}">
-        <p14:creationId xmlns:p14="http://schemas.microsoft.com/office/powerpoint/2010/main" val="2747838539"/>
+        <p14:creationId xmlns:p14="http://schemas.microsoft.com/office/powerpoint/2010/main" val="1807889840"/>
       </p:ext>
     </p:extLst>
   </p:cSld>
@@ -2763,7 +2763,7 @@
           <p:cNvPr id="2" name="标题占位符 1">
             <a:extLst>
               <a:ext uri="{FF2B5EF4-FFF2-40B4-BE49-F238E27FC236}">
-                <a16:creationId xmlns:a16="http://schemas.microsoft.com/office/drawing/2014/main" id="{0615CAD0-4FBC-5354-E219-9C1645E20DD8}"/>
+                <a16:creationId xmlns:a16="http://schemas.microsoft.com/office/drawing/2014/main" id="{105D8C96-F688-609E-7CD4-B8CAEA655F7E}"/>
               </a:ext>
             </a:extLst>
           </p:cNvPr>
@@ -2801,7 +2801,7 @@
           <p:cNvPr id="3" name="文本占位符 2">
             <a:extLst>
               <a:ext uri="{FF2B5EF4-FFF2-40B4-BE49-F238E27FC236}">
-                <a16:creationId xmlns:a16="http://schemas.microsoft.com/office/drawing/2014/main" id="{207A1C59-24FD-4572-2C7A-D8C14C454452}"/>
+                <a16:creationId xmlns:a16="http://schemas.microsoft.com/office/drawing/2014/main" id="{D1C0252B-5352-81C3-F94C-6CC8E9198055}"/>
               </a:ext>
             </a:extLst>
           </p:cNvPr>
@@ -2868,7 +2868,7 @@
           <p:cNvPr id="4" name="日期占位符 3">
             <a:extLst>
               <a:ext uri="{FF2B5EF4-FFF2-40B4-BE49-F238E27FC236}">
-                <a16:creationId xmlns:a16="http://schemas.microsoft.com/office/drawing/2014/main" id="{DB8233DE-B36C-5266-F424-7A848BD52D33}"/>
+                <a16:creationId xmlns:a16="http://schemas.microsoft.com/office/drawing/2014/main" id="{8EDFE429-8E40-9EBE-04A7-DE6282D5040F}"/>
               </a:ext>
             </a:extLst>
           </p:cNvPr>
@@ -2902,7 +2902,7 @@
             </a:lvl1pPr>
           </a:lstStyle>
           <a:p>
-            <a:fld id="{312D571D-EB0D-47BE-9D9F-E5E701AACA06}" type="datetimeFigureOut">
+            <a:fld id="{3620BC53-4CFC-4C7A-B018-0A5BD4F40556}" type="datetimeFigureOut">
               <a:rPr lang="zh-CN" altLang="en-US" smtClean="0"/>
               <a:t>2024/3/10</a:t>
             </a:fld>
@@ -2915,7 +2915,7 @@
           <p:cNvPr id="5" name="页脚占位符 4">
             <a:extLst>
               <a:ext uri="{FF2B5EF4-FFF2-40B4-BE49-F238E27FC236}">
-                <a16:creationId xmlns:a16="http://schemas.microsoft.com/office/drawing/2014/main" id="{B73A23A0-BFF7-584D-595A-5EAB91C0C6F6}"/>
+                <a16:creationId xmlns:a16="http://schemas.microsoft.com/office/drawing/2014/main" id="{0A25C0BF-10FE-CA2A-DDDD-3F8F1C080E53}"/>
               </a:ext>
             </a:extLst>
           </p:cNvPr>
@@ -2958,7 +2958,7 @@
           <p:cNvPr id="6" name="灯片编号占位符 5">
             <a:extLst>
               <a:ext uri="{FF2B5EF4-FFF2-40B4-BE49-F238E27FC236}">
-                <a16:creationId xmlns:a16="http://schemas.microsoft.com/office/drawing/2014/main" id="{1CF52E2E-68E4-F2BC-1412-A631AB6CAD80}"/>
+                <a16:creationId xmlns:a16="http://schemas.microsoft.com/office/drawing/2014/main" id="{0308C6B3-8879-F374-0BCE-A56407A0B446}"/>
               </a:ext>
             </a:extLst>
           </p:cNvPr>
@@ -2992,7 +2992,7 @@
             </a:lvl1pPr>
           </a:lstStyle>
           <a:p>
-            <a:fld id="{D18CEB04-2665-472A-90CD-03C2910DC42A}" type="slidenum">
+            <a:fld id="{FBF969D0-942F-483C-BA79-B4C178E51BCF}" type="slidenum">
               <a:rPr lang="zh-CN" altLang="en-US" smtClean="0"/>
               <a:t>‹#›</a:t>
             </a:fld>
@@ -3003,7 +3003,7 @@
     </p:spTree>
     <p:extLst>
       <p:ext uri="{BB962C8B-B14F-4D97-AF65-F5344CB8AC3E}">
-        <p14:creationId xmlns:p14="http://schemas.microsoft.com/office/powerpoint/2010/main" val="3692091090"/>
+        <p14:creationId xmlns:p14="http://schemas.microsoft.com/office/powerpoint/2010/main" val="875646223"/>
       </p:ext>
     </p:extLst>
   </p:cSld>
